--- a/doc/Presentation _digitalGourde.pptx
+++ b/doc/Presentation _digitalGourde.pptx
@@ -116,6 +116,11 @@
       </a:defRPr>
     </a:lvl9pPr>
   </p:defaultTextStyle>
+  <p:extLst>
+    <p:ext uri="{EFAFB233-063F-42B5-8137-9DF3F51BA10A}">
+      <p15:sldGuideLst xmlns:p15="http://schemas.microsoft.com/office/powerpoint/2012/main"/>
+    </p:ext>
+  </p:extLst>
 </p:presentation>
 </file>
 
@@ -4189,7 +4194,7 @@
           <a:p>
             <a:fld id="{8936AE95-B3DB-4176-8BC9-8F872F8830FB}" type="datetimeFigureOut">
               <a:rPr lang="fr-FR" smtClean="0"/>
-              <a:t>27/02/2020</a:t>
+              <a:t>03/03/2020</a:t>
             </a:fld>
             <a:endParaRPr lang="fr-FR"/>
           </a:p>
@@ -4682,7 +4687,7 @@
           <a:p>
             <a:fld id="{A9155F60-110D-49DC-A75E-F668F2793167}" type="datetime1">
               <a:rPr lang="fr-FR" smtClean="0"/>
-              <a:t>27/02/2020</a:t>
+              <a:t>03/03/2020</a:t>
             </a:fld>
             <a:endParaRPr lang="fr-FR"/>
           </a:p>
@@ -4893,7 +4898,7 @@
           <a:p>
             <a:fld id="{942B41AB-2BE7-4F58-8236-4D5E26237A8D}" type="datetime1">
               <a:rPr lang="fr-FR" smtClean="0"/>
-              <a:t>27/02/2020</a:t>
+              <a:t>03/03/2020</a:t>
             </a:fld>
             <a:endParaRPr lang="fr-FR"/>
           </a:p>
@@ -5152,7 +5157,7 @@
           <a:p>
             <a:fld id="{914EB890-9640-44A6-8A30-AE7E90EDA9D1}" type="datetime1">
               <a:rPr lang="fr-FR" smtClean="0"/>
-              <a:t>27/02/2020</a:t>
+              <a:t>03/03/2020</a:t>
             </a:fld>
             <a:endParaRPr lang="fr-FR"/>
           </a:p>
@@ -5329,7 +5334,7 @@
           <a:p>
             <a:fld id="{E1782B54-6E2F-44F7-914F-D5A9F7CDADB1}" type="datetime1">
               <a:rPr lang="fr-FR" smtClean="0"/>
-              <a:t>27/02/2020</a:t>
+              <a:t>03/03/2020</a:t>
             </a:fld>
             <a:endParaRPr lang="fr-FR"/>
           </a:p>
@@ -5667,7 +5672,7 @@
           <a:p>
             <a:fld id="{9AA74841-D37B-4DC3-A51E-D1CCA960288A}" type="datetime1">
               <a:rPr lang="fr-FR" smtClean="0"/>
-              <a:t>27/02/2020</a:t>
+              <a:t>03/03/2020</a:t>
             </a:fld>
             <a:endParaRPr lang="fr-FR"/>
           </a:p>
@@ -5945,7 +5950,7 @@
           <a:p>
             <a:fld id="{AFF01EA9-9208-4DB8-915F-82EB673BE93C}" type="datetime1">
               <a:rPr lang="fr-FR" smtClean="0"/>
-              <a:t>27/02/2020</a:t>
+              <a:t>03/03/2020</a:t>
             </a:fld>
             <a:endParaRPr lang="fr-FR"/>
           </a:p>
@@ -6327,7 +6332,7 @@
           <a:p>
             <a:fld id="{9F57BFBC-F3FA-4BB6-A28B-12B68988B41C}" type="datetime1">
               <a:rPr lang="fr-FR" smtClean="0"/>
-              <a:t>27/02/2020</a:t>
+              <a:t>03/03/2020</a:t>
             </a:fld>
             <a:endParaRPr lang="fr-FR"/>
           </a:p>
@@ -6448,7 +6453,7 @@
           <a:p>
             <a:fld id="{9819CE7D-2BD5-4182-9F07-59666B9DD919}" type="datetime1">
               <a:rPr lang="fr-FR" smtClean="0"/>
-              <a:t>27/02/2020</a:t>
+              <a:t>03/03/2020</a:t>
             </a:fld>
             <a:endParaRPr lang="fr-FR"/>
           </a:p>
@@ -6622,7 +6627,7 @@
           <a:p>
             <a:fld id="{EBEC896D-907F-48FD-AAD1-B1E3D6916206}" type="datetime1">
               <a:rPr lang="fr-FR" smtClean="0"/>
-              <a:t>27/02/2020</a:t>
+              <a:t>03/03/2020</a:t>
             </a:fld>
             <a:endParaRPr lang="fr-FR"/>
           </a:p>
@@ -6979,7 +6984,7 @@
           <a:p>
             <a:fld id="{99B8C08C-39E0-4B27-9ED0-87E2A8BF45FB}" type="datetime1">
               <a:rPr lang="fr-FR" smtClean="0"/>
-              <a:t>27/02/2020</a:t>
+              <a:t>03/03/2020</a:t>
             </a:fld>
             <a:endParaRPr lang="fr-FR"/>
           </a:p>
@@ -7364,7 +7369,7 @@
           <a:p>
             <a:fld id="{F5831ABC-ECE2-46CA-B972-5F416B9A9EEE}" type="datetime1">
               <a:rPr lang="fr-FR" smtClean="0"/>
-              <a:t>27/02/2020</a:t>
+              <a:t>03/03/2020</a:t>
             </a:fld>
             <a:endParaRPr lang="fr-FR"/>
           </a:p>
@@ -7654,7 +7659,7 @@
           <a:p>
             <a:fld id="{2A3F63E5-C0F8-45B1-96D6-E750EDFDAA49}" type="datetime1">
               <a:rPr lang="fr-FR" smtClean="0"/>
-              <a:t>27/02/2020</a:t>
+              <a:t>03/03/2020</a:t>
             </a:fld>
             <a:endParaRPr lang="fr-FR"/>
           </a:p>
